--- a/Lecture#12/Lecture_12.pptx
+++ b/Lecture#12/Lecture_12.pptx
@@ -6,10 +6,10 @@
     <p:sldMasterId id="2147483665" r:id="rId2"/>
   </p:sldMasterIdLst>
   <p:notesMasterIdLst>
-    <p:notesMasterId r:id="rId19"/>
+    <p:notesMasterId r:id="rId20"/>
   </p:notesMasterIdLst>
   <p:handoutMasterIdLst>
-    <p:handoutMasterId r:id="rId20"/>
+    <p:handoutMasterId r:id="rId21"/>
   </p:handoutMasterIdLst>
   <p:sldIdLst>
     <p:sldId id="260" r:id="rId3"/>
@@ -21,13 +21,14 @@
     <p:sldId id="447" r:id="rId9"/>
     <p:sldId id="358" r:id="rId10"/>
     <p:sldId id="448" r:id="rId11"/>
-    <p:sldId id="359" r:id="rId12"/>
-    <p:sldId id="360" r:id="rId13"/>
-    <p:sldId id="449" r:id="rId14"/>
-    <p:sldId id="450" r:id="rId15"/>
-    <p:sldId id="451" r:id="rId16"/>
-    <p:sldId id="452" r:id="rId17"/>
-    <p:sldId id="363" r:id="rId18"/>
+    <p:sldId id="453" r:id="rId12"/>
+    <p:sldId id="359" r:id="rId13"/>
+    <p:sldId id="360" r:id="rId14"/>
+    <p:sldId id="449" r:id="rId15"/>
+    <p:sldId id="450" r:id="rId16"/>
+    <p:sldId id="451" r:id="rId17"/>
+    <p:sldId id="452" r:id="rId18"/>
+    <p:sldId id="363" r:id="rId19"/>
   </p:sldIdLst>
   <p:sldSz cx="10058400" cy="7772400"/>
   <p:notesSz cx="7315200" cy="9601200"/>
@@ -3084,6 +3085,98 @@
 </file>
 
 <file path=ppt/slides/slide10.xml><?xml version="1.0" encoding="utf-8"?>
+<p:sld xmlns:a="http://schemas.openxmlformats.org/drawingml/2006/main" xmlns:r="http://schemas.openxmlformats.org/officeDocument/2006/relationships" xmlns:p="http://schemas.openxmlformats.org/presentationml/2006/main">
+  <p:cSld>
+    <p:spTree>
+      <p:nvGrpSpPr>
+        <p:cNvPr id="1" name=""/>
+        <p:cNvGrpSpPr/>
+        <p:nvPr/>
+      </p:nvGrpSpPr>
+      <p:grpSpPr>
+        <a:xfrm>
+          <a:off x="0" y="0"/>
+          <a:ext cx="0" cy="0"/>
+          <a:chOff x="0" y="0"/>
+          <a:chExt cx="0" cy="0"/>
+        </a:xfrm>
+      </p:grpSpPr>
+      <p:sp>
+        <p:nvSpPr>
+          <p:cNvPr id="2" name="Text Placeholder 1">
+            <a:extLst>
+              <a:ext uri="{FF2B5EF4-FFF2-40B4-BE49-F238E27FC236}">
+                <a16:creationId xmlns:a16="http://schemas.microsoft.com/office/drawing/2014/main" id="{2772FAD0-0E16-43F9-9E44-CD32CF144ED6}"/>
+              </a:ext>
+            </a:extLst>
+          </p:cNvPr>
+          <p:cNvSpPr>
+            <a:spLocks noGrp="1"/>
+          </p:cNvSpPr>
+          <p:nvPr>
+            <p:ph type="body" sz="quarter" idx="10"/>
+          </p:nvPr>
+        </p:nvSpPr>
+        <p:spPr/>
+        <p:txBody>
+          <a:bodyPr/>
+          <a:lstStyle/>
+          <a:p>
+            <a:r>
+              <a:rPr lang="en-US" dirty="0" err="1"/>
+              <a:t>fgets</a:t>
+            </a:r>
+            <a:r>
+              <a:rPr lang="en-US" dirty="0"/>
+              <a:t>:</a:t>
+            </a:r>
+          </a:p>
+        </p:txBody>
+      </p:sp>
+      <p:pic>
+        <p:nvPicPr>
+          <p:cNvPr id="4" name="Picture 3">
+            <a:extLst>
+              <a:ext uri="{FF2B5EF4-FFF2-40B4-BE49-F238E27FC236}">
+                <a16:creationId xmlns:a16="http://schemas.microsoft.com/office/drawing/2014/main" id="{DCC53E4E-EDD3-41E3-834C-EF06D638A6D6}"/>
+              </a:ext>
+            </a:extLst>
+          </p:cNvPr>
+          <p:cNvPicPr>
+            <a:picLocks noChangeAspect="1"/>
+          </p:cNvPicPr>
+          <p:nvPr/>
+        </p:nvPicPr>
+        <p:blipFill>
+          <a:blip r:embed="rId2"/>
+          <a:stretch>
+            <a:fillRect/>
+          </a:stretch>
+        </p:blipFill>
+        <p:spPr>
+          <a:xfrm>
+            <a:off x="1473762" y="1362074"/>
+            <a:ext cx="7408979" cy="4704883"/>
+          </a:xfrm>
+          <a:prstGeom prst="rect">
+            <a:avLst/>
+          </a:prstGeom>
+        </p:spPr>
+      </p:pic>
+    </p:spTree>
+    <p:extLst>
+      <p:ext uri="{BB962C8B-B14F-4D97-AF65-F5344CB8AC3E}">
+        <p14:creationId xmlns:p14="http://schemas.microsoft.com/office/powerpoint/2010/main" val="1681081896"/>
+      </p:ext>
+    </p:extLst>
+  </p:cSld>
+  <p:clrMapOvr>
+    <a:masterClrMapping/>
+  </p:clrMapOvr>
+</p:sld>
+</file>
+
+<file path=ppt/slides/slide11.xml><?xml version="1.0" encoding="utf-8"?>
 <p:sld xmlns:a="http://schemas.openxmlformats.org/drawingml/2006/main" xmlns:r="http://schemas.openxmlformats.org/officeDocument/2006/relationships" xmlns:p="http://schemas.openxmlformats.org/presentationml/2006/main">
   <p:cSld>
     <p:spTree>
@@ -4623,10 +4716,151 @@
   <p:clrMapOvr>
     <a:masterClrMapping/>
   </p:clrMapOvr>
+  <p:timing>
+    <p:tnLst>
+      <p:par>
+        <p:cTn id="1" dur="indefinite" restart="never" nodeType="tmRoot">
+          <p:childTnLst>
+            <p:seq concurrent="1" nextAc="seek">
+              <p:cTn id="2" dur="indefinite" nodeType="mainSeq">
+                <p:childTnLst>
+                  <p:par>
+                    <p:cTn id="3" fill="hold">
+                      <p:stCondLst>
+                        <p:cond delay="indefinite"/>
+                      </p:stCondLst>
+                      <p:childTnLst>
+                        <p:par>
+                          <p:cTn id="4" fill="hold">
+                            <p:stCondLst>
+                              <p:cond delay="0"/>
+                            </p:stCondLst>
+                            <p:childTnLst>
+                              <p:par>
+                                <p:cTn id="5" presetID="1" presetClass="entr" presetSubtype="0" fill="hold" nodeType="clickEffect">
+                                  <p:stCondLst>
+                                    <p:cond delay="0"/>
+                                  </p:stCondLst>
+                                  <p:childTnLst>
+                                    <p:set>
+                                      <p:cBhvr>
+                                        <p:cTn id="6" dur="1" fill="hold">
+                                          <p:stCondLst>
+                                            <p:cond delay="0"/>
+                                          </p:stCondLst>
+                                        </p:cTn>
+                                        <p:tgtEl>
+                                          <p:spTgt spid="3">
+                                            <p:txEl>
+                                              <p:pRg st="10" end="10"/>
+                                            </p:txEl>
+                                          </p:spTgt>
+                                        </p:tgtEl>
+                                        <p:attrNameLst>
+                                          <p:attrName>style.visibility</p:attrName>
+                                        </p:attrNameLst>
+                                      </p:cBhvr>
+                                      <p:to>
+                                        <p:strVal val="visible"/>
+                                      </p:to>
+                                    </p:set>
+                                  </p:childTnLst>
+                                </p:cTn>
+                              </p:par>
+                              <p:par>
+                                <p:cTn id="7" presetID="1" presetClass="entr" presetSubtype="0" fill="hold" nodeType="withEffect">
+                                  <p:stCondLst>
+                                    <p:cond delay="0"/>
+                                  </p:stCondLst>
+                                  <p:childTnLst>
+                                    <p:set>
+                                      <p:cBhvr>
+                                        <p:cTn id="8" dur="1" fill="hold">
+                                          <p:stCondLst>
+                                            <p:cond delay="0"/>
+                                          </p:stCondLst>
+                                        </p:cTn>
+                                        <p:tgtEl>
+                                          <p:spTgt spid="3">
+                                            <p:txEl>
+                                              <p:pRg st="11" end="11"/>
+                                            </p:txEl>
+                                          </p:spTgt>
+                                        </p:tgtEl>
+                                        <p:attrNameLst>
+                                          <p:attrName>style.visibility</p:attrName>
+                                        </p:attrNameLst>
+                                      </p:cBhvr>
+                                      <p:to>
+                                        <p:strVal val="visible"/>
+                                      </p:to>
+                                    </p:set>
+                                  </p:childTnLst>
+                                </p:cTn>
+                              </p:par>
+                              <p:par>
+                                <p:cTn id="9" presetID="1" presetClass="entr" presetSubtype="0" fill="hold" nodeType="withEffect">
+                                  <p:stCondLst>
+                                    <p:cond delay="0"/>
+                                  </p:stCondLst>
+                                  <p:childTnLst>
+                                    <p:set>
+                                      <p:cBhvr>
+                                        <p:cTn id="10" dur="1" fill="hold">
+                                          <p:stCondLst>
+                                            <p:cond delay="0"/>
+                                          </p:stCondLst>
+                                        </p:cTn>
+                                        <p:tgtEl>
+                                          <p:spTgt spid="3">
+                                            <p:txEl>
+                                              <p:pRg st="12" end="12"/>
+                                            </p:txEl>
+                                          </p:spTgt>
+                                        </p:tgtEl>
+                                        <p:attrNameLst>
+                                          <p:attrName>style.visibility</p:attrName>
+                                        </p:attrNameLst>
+                                      </p:cBhvr>
+                                      <p:to>
+                                        <p:strVal val="visible"/>
+                                      </p:to>
+                                    </p:set>
+                                  </p:childTnLst>
+                                </p:cTn>
+                              </p:par>
+                            </p:childTnLst>
+                          </p:cTn>
+                        </p:par>
+                      </p:childTnLst>
+                    </p:cTn>
+                  </p:par>
+                </p:childTnLst>
+              </p:cTn>
+              <p:prevCondLst>
+                <p:cond evt="onPrev" delay="0">
+                  <p:tgtEl>
+                    <p:sldTgt/>
+                  </p:tgtEl>
+                </p:cond>
+              </p:prevCondLst>
+              <p:nextCondLst>
+                <p:cond evt="onNext" delay="0">
+                  <p:tgtEl>
+                    <p:sldTgt/>
+                  </p:tgtEl>
+                </p:cond>
+              </p:nextCondLst>
+            </p:seq>
+          </p:childTnLst>
+        </p:cTn>
+      </p:par>
+    </p:tnLst>
+  </p:timing>
 </p:sld>
 </file>
 
-<file path=ppt/slides/slide11.xml><?xml version="1.0" encoding="utf-8"?>
+<file path=ppt/slides/slide12.xml><?xml version="1.0" encoding="utf-8"?>
 <p:sld xmlns:a="http://schemas.openxmlformats.org/drawingml/2006/main" xmlns:r="http://schemas.openxmlformats.org/officeDocument/2006/relationships" xmlns:p="http://schemas.openxmlformats.org/presentationml/2006/main">
   <p:cSld>
     <p:spTree>
@@ -4979,7 +5213,7 @@
 </p:sld>
 </file>
 
-<file path=ppt/slides/slide12.xml><?xml version="1.0" encoding="utf-8"?>
+<file path=ppt/slides/slide13.xml><?xml version="1.0" encoding="utf-8"?>
 <p:sld xmlns:a="http://schemas.openxmlformats.org/drawingml/2006/main" xmlns:r="http://schemas.openxmlformats.org/officeDocument/2006/relationships" xmlns:p="http://schemas.openxmlformats.org/presentationml/2006/main">
   <p:cSld>
     <p:spTree>
@@ -5072,7 +5306,7 @@
 </p:sld>
 </file>
 
-<file path=ppt/slides/slide13.xml><?xml version="1.0" encoding="utf-8"?>
+<file path=ppt/slides/slide14.xml><?xml version="1.0" encoding="utf-8"?>
 <p:sld xmlns:a="http://schemas.openxmlformats.org/drawingml/2006/main" xmlns:r="http://schemas.openxmlformats.org/officeDocument/2006/relationships" xmlns:p="http://schemas.openxmlformats.org/presentationml/2006/main">
   <p:cSld>
     <p:spTree>
@@ -5190,7 +5424,7 @@
 </p:sld>
 </file>
 
-<file path=ppt/slides/slide14.xml><?xml version="1.0" encoding="utf-8"?>
+<file path=ppt/slides/slide15.xml><?xml version="1.0" encoding="utf-8"?>
 <p:sld xmlns:a="http://schemas.openxmlformats.org/drawingml/2006/main" xmlns:r="http://schemas.openxmlformats.org/officeDocument/2006/relationships" xmlns:p="http://schemas.openxmlformats.org/presentationml/2006/main">
   <p:cSld>
     <p:spTree>
@@ -5283,7 +5517,7 @@
 </p:sld>
 </file>
 
-<file path=ppt/slides/slide15.xml><?xml version="1.0" encoding="utf-8"?>
+<file path=ppt/slides/slide16.xml><?xml version="1.0" encoding="utf-8"?>
 <p:sld xmlns:a="http://schemas.openxmlformats.org/drawingml/2006/main" xmlns:r="http://schemas.openxmlformats.org/officeDocument/2006/relationships" xmlns:p="http://schemas.openxmlformats.org/presentationml/2006/main">
   <p:cSld>
     <p:spTree>
@@ -5376,7 +5610,7 @@
 </p:sld>
 </file>
 
-<file path=ppt/slides/slide16.xml><?xml version="1.0" encoding="utf-8"?>
+<file path=ppt/slides/slide17.xml><?xml version="1.0" encoding="utf-8"?>
 <p:sld xmlns:a="http://schemas.openxmlformats.org/drawingml/2006/main" xmlns:r="http://schemas.openxmlformats.org/officeDocument/2006/relationships" xmlns:p="http://schemas.openxmlformats.org/presentationml/2006/main">
   <p:cSld>
     <p:spTree>
@@ -6098,7 +6332,7 @@
         </p:nvSpPr>
         <p:spPr>
           <a:xfrm>
-            <a:off x="406400" y="247650"/>
+            <a:off x="0" y="0"/>
             <a:ext cx="9245600" cy="742950"/>
           </a:xfrm>
         </p:spPr>
@@ -6125,8 +6359,8 @@
         </p:nvSpPr>
         <p:spPr>
           <a:xfrm>
-            <a:off x="406400" y="872309"/>
-            <a:ext cx="9245600" cy="4826000"/>
+            <a:off x="0" y="872309"/>
+            <a:ext cx="9652000" cy="5476240"/>
           </a:xfrm>
         </p:spPr>
         <p:txBody>
@@ -6138,7 +6372,7 @@
             </a:pPr>
             <a:r>
               <a:rPr lang="en-US" sz="2400" dirty="0"/>
-              <a:t>Write a program that takes as input N integers from the user, passes them in an array to a function to compute their average. N is a positive</a:t>
+              <a:t>Write a program that takes as input N integers from the user, passes them in an array to a function to compute their average. N is a positive number. </a:t>
             </a:r>
           </a:p>
         </p:txBody>
